--- a/ppt/学习总结-20220511.pptx
+++ b/ppt/学习总结-20220511.pptx
@@ -3907,10 +3907,10 @@
       </p:sp>
       <p:pic>
         <p:nvPicPr>
-          <p:cNvPr id="5" name="图片 4">
+          <p:cNvPr id="8" name="图片 7">
             <a:extLst>
               <a:ext uri="{FF2B5EF4-FFF2-40B4-BE49-F238E27FC236}">
-                <a16:creationId xmlns:a16="http://schemas.microsoft.com/office/drawing/2014/main" id="{CF10E8BA-9E56-DE7D-A4B2-50D3FD6047D8}"/>
+                <a16:creationId xmlns:a16="http://schemas.microsoft.com/office/drawing/2014/main" id="{3B859186-467F-70A3-134B-7C064BAB56D4}"/>
               </a:ext>
             </a:extLst>
           </p:cNvPr>
@@ -3927,8 +3927,8 @@
         </p:blipFill>
         <p:spPr>
           <a:xfrm>
-            <a:off x="5347672" y="258356"/>
-            <a:ext cx="5655208" cy="5450627"/>
+            <a:off x="6006737" y="624172"/>
+            <a:ext cx="5048117" cy="5373569"/>
           </a:xfrm>
           <a:prstGeom prst="rect">
             <a:avLst/>
